--- a/301-자바스크립트 시작하기/301-3.브라우저_콘솔.pptx
+++ b/301-자바스크립트 시작하기/301-3.브라우저_콘솔.pptx
@@ -4451,7 +4451,7 @@
         </p:blipFill>
         <p:spPr>
           <a:xfrm>
-            <a:off x="8560707" y="1789546"/>
+            <a:off x="8174264" y="1567478"/>
             <a:ext cx="508000" cy="406400"/>
           </a:xfrm>
           <a:prstGeom prst="rect">
@@ -4650,7 +4650,11 @@
               <a:t> 없기 때문에 </a:t>
             </a:r>
             <a:r>
-              <a:rPr kumimoji="1" lang="en-US" altLang="ko-KR" dirty="0"/>
+              <a:rPr kumimoji="1" lang="en-US" altLang="ko-KR" dirty="0">
+                <a:solidFill>
+                  <a:srgbClr val="FF0000"/>
+                </a:solidFill>
+              </a:rPr>
               <a:t>undefined</a:t>
             </a:r>
             <a:r>
@@ -5951,7 +5955,7 @@
         <p:spPr>
           <a:xfrm>
             <a:off x="508787" y="1293979"/>
-            <a:ext cx="11281052" cy="4999638"/>
+            <a:ext cx="11281052" cy="1996550"/>
           </a:xfrm>
           <a:prstGeom prst="rect">
             <a:avLst/>
@@ -6251,7 +6255,7 @@
         </p:nvGrpSpPr>
         <p:grpSpPr>
           <a:xfrm>
-            <a:off x="1240972" y="3735886"/>
+            <a:off x="642257" y="3665128"/>
             <a:ext cx="5866066" cy="1323795"/>
             <a:chOff x="1315021" y="3071939"/>
             <a:chExt cx="5953125" cy="1343442"/>
@@ -6362,7 +6366,7 @@
         </p:nvSpPr>
         <p:spPr>
           <a:xfrm>
-            <a:off x="7107038" y="3872269"/>
+            <a:off x="6508323" y="3801511"/>
             <a:ext cx="254318" cy="252413"/>
           </a:xfrm>
           <a:prstGeom prst="rightArrow">
@@ -6420,7 +6424,7 @@
         </p:nvSpPr>
         <p:spPr>
           <a:xfrm>
-            <a:off x="4491567" y="4303258"/>
+            <a:off x="3892852" y="4232500"/>
             <a:ext cx="254318" cy="252413"/>
           </a:xfrm>
           <a:prstGeom prst="rightArrow">
@@ -6478,7 +6482,7 @@
         </p:nvSpPr>
         <p:spPr>
           <a:xfrm>
-            <a:off x="3068744" y="4722295"/>
+            <a:off x="2470029" y="4651537"/>
             <a:ext cx="254318" cy="252413"/>
           </a:xfrm>
           <a:prstGeom prst="rightArrow">
@@ -6536,7 +6540,7 @@
         </p:nvSpPr>
         <p:spPr>
           <a:xfrm>
-            <a:off x="7361356" y="3847885"/>
+            <a:off x="6762641" y="3777127"/>
             <a:ext cx="1257075" cy="338554"/>
           </a:xfrm>
           <a:prstGeom prst="rect">
@@ -6571,7 +6575,7 @@
         </p:nvSpPr>
         <p:spPr>
           <a:xfrm>
-            <a:off x="4745885" y="4260797"/>
+            <a:off x="4147170" y="4190039"/>
             <a:ext cx="2576218" cy="338554"/>
           </a:xfrm>
           <a:prstGeom prst="rect">
@@ -6610,7 +6614,7 @@
         </p:nvSpPr>
         <p:spPr>
           <a:xfrm>
-            <a:off x="3359155" y="4678277"/>
+            <a:off x="2760440" y="4607519"/>
             <a:ext cx="1508746" cy="338554"/>
           </a:xfrm>
           <a:prstGeom prst="rect">
@@ -6631,6 +6635,36 @@
           </a:p>
         </p:txBody>
       </p:sp>
+      <p:pic>
+        <p:nvPicPr>
+          <p:cNvPr id="15" name="그림 14">
+            <a:extLst>
+              <a:ext uri="{FF2B5EF4-FFF2-40B4-BE49-F238E27FC236}">
+                <a16:creationId xmlns:a16="http://schemas.microsoft.com/office/drawing/2014/main" id="{28152E4F-313D-F3C6-7BB2-BACA799C4653}"/>
+              </a:ext>
+            </a:extLst>
+          </p:cNvPr>
+          <p:cNvPicPr>
+            <a:picLocks noChangeAspect="1"/>
+          </p:cNvPicPr>
+          <p:nvPr/>
+        </p:nvPicPr>
+        <p:blipFill>
+          <a:blip r:embed="rId5"/>
+          <a:stretch>
+            <a:fillRect/>
+          </a:stretch>
+        </p:blipFill>
+        <p:spPr>
+          <a:xfrm>
+            <a:off x="4608135" y="4870059"/>
+            <a:ext cx="7181704" cy="1668855"/>
+          </a:xfrm>
+          <a:prstGeom prst="rect">
+            <a:avLst/>
+          </a:prstGeom>
+        </p:spPr>
+      </p:pic>
     </p:spTree>
     <p:extLst>
       <p:ext uri="{BB962C8B-B14F-4D97-AF65-F5344CB8AC3E}">
